--- a/Final Project/FinalPresentationBenPierce.pptx
+++ b/Final Project/FinalPresentationBenPierce.pptx
@@ -5,7 +5,7 @@
     <p:sldMasterId id="2147483648" r:id="rId1"/>
   </p:sldMasterIdLst>
   <p:notesMasterIdLst>
-    <p:notesMasterId r:id="rId13"/>
+    <p:notesMasterId r:id="rId14"/>
   </p:notesMasterIdLst>
   <p:sldIdLst>
     <p:sldId id="256" r:id="rId2"/>
@@ -19,6 +19,7 @@
     <p:sldId id="264" r:id="rId10"/>
     <p:sldId id="265" r:id="rId11"/>
     <p:sldId id="266" r:id="rId12"/>
+    <p:sldId id="267" r:id="rId13"/>
   </p:sldIdLst>
   <p:sldSz cx="12192000" cy="6858000"/>
   <p:notesSz cx="6858000" cy="9144000"/>
@@ -117,6 +118,11 @@
       </a:defRPr>
     </a:lvl9pPr>
   </p:defaultTextStyle>
+  <p:extLst>
+    <p:ext uri="{EFAFB233-063F-42B5-8137-9DF3F51BA10A}">
+      <p15:sldGuideLst xmlns:p15="http://schemas.microsoft.com/office/powerpoint/2012/main"/>
+    </p:ext>
+  </p:extLst>
 </p:presentation>
 </file>
 
@@ -202,7 +208,7 @@
           <a:p>
             <a:fld id="{AD0D2707-C33D-43F1-ABE2-2EE35174F6B5}" type="datetimeFigureOut">
               <a:rPr lang="en-US" smtClean="0"/>
-              <a:t>12/2/2017</a:t>
+              <a:t>12/4/2017</a:t>
             </a:fld>
             <a:endParaRPr lang="en-US"/>
           </a:p>
@@ -601,7 +607,7 @@
           <a:p>
             <a:fld id="{450BAEDC-3D25-4A50-B12B-2A07872C68C6}" type="datetimeFigureOut">
               <a:rPr lang="en-US" smtClean="0"/>
-              <a:t>12/2/2017</a:t>
+              <a:t>12/4/2017</a:t>
             </a:fld>
             <a:endParaRPr lang="en-US"/>
           </a:p>
@@ -771,7 +777,7 @@
           <a:p>
             <a:fld id="{450BAEDC-3D25-4A50-B12B-2A07872C68C6}" type="datetimeFigureOut">
               <a:rPr lang="en-US" smtClean="0"/>
-              <a:t>12/2/2017</a:t>
+              <a:t>12/4/2017</a:t>
             </a:fld>
             <a:endParaRPr lang="en-US"/>
           </a:p>
@@ -951,7 +957,7 @@
           <a:p>
             <a:fld id="{450BAEDC-3D25-4A50-B12B-2A07872C68C6}" type="datetimeFigureOut">
               <a:rPr lang="en-US" smtClean="0"/>
-              <a:t>12/2/2017</a:t>
+              <a:t>12/4/2017</a:t>
             </a:fld>
             <a:endParaRPr lang="en-US"/>
           </a:p>
@@ -1121,7 +1127,7 @@
           <a:p>
             <a:fld id="{450BAEDC-3D25-4A50-B12B-2A07872C68C6}" type="datetimeFigureOut">
               <a:rPr lang="en-US" smtClean="0"/>
-              <a:t>12/2/2017</a:t>
+              <a:t>12/4/2017</a:t>
             </a:fld>
             <a:endParaRPr lang="en-US"/>
           </a:p>
@@ -1367,7 +1373,7 @@
           <a:p>
             <a:fld id="{450BAEDC-3D25-4A50-B12B-2A07872C68C6}" type="datetimeFigureOut">
               <a:rPr lang="en-US" smtClean="0"/>
-              <a:t>12/2/2017</a:t>
+              <a:t>12/4/2017</a:t>
             </a:fld>
             <a:endParaRPr lang="en-US"/>
           </a:p>
@@ -1599,7 +1605,7 @@
           <a:p>
             <a:fld id="{450BAEDC-3D25-4A50-B12B-2A07872C68C6}" type="datetimeFigureOut">
               <a:rPr lang="en-US" smtClean="0"/>
-              <a:t>12/2/2017</a:t>
+              <a:t>12/4/2017</a:t>
             </a:fld>
             <a:endParaRPr lang="en-US"/>
           </a:p>
@@ -1966,7 +1972,7 @@
           <a:p>
             <a:fld id="{450BAEDC-3D25-4A50-B12B-2A07872C68C6}" type="datetimeFigureOut">
               <a:rPr lang="en-US" smtClean="0"/>
-              <a:t>12/2/2017</a:t>
+              <a:t>12/4/2017</a:t>
             </a:fld>
             <a:endParaRPr lang="en-US"/>
           </a:p>
@@ -2084,7 +2090,7 @@
           <a:p>
             <a:fld id="{450BAEDC-3D25-4A50-B12B-2A07872C68C6}" type="datetimeFigureOut">
               <a:rPr lang="en-US" smtClean="0"/>
-              <a:t>12/2/2017</a:t>
+              <a:t>12/4/2017</a:t>
             </a:fld>
             <a:endParaRPr lang="en-US"/>
           </a:p>
@@ -2179,7 +2185,7 @@
           <a:p>
             <a:fld id="{450BAEDC-3D25-4A50-B12B-2A07872C68C6}" type="datetimeFigureOut">
               <a:rPr lang="en-US" smtClean="0"/>
-              <a:t>12/2/2017</a:t>
+              <a:t>12/4/2017</a:t>
             </a:fld>
             <a:endParaRPr lang="en-US"/>
           </a:p>
@@ -2456,7 +2462,7 @@
           <a:p>
             <a:fld id="{450BAEDC-3D25-4A50-B12B-2A07872C68C6}" type="datetimeFigureOut">
               <a:rPr lang="en-US" smtClean="0"/>
-              <a:t>12/2/2017</a:t>
+              <a:t>12/4/2017</a:t>
             </a:fld>
             <a:endParaRPr lang="en-US"/>
           </a:p>
@@ -2709,7 +2715,7 @@
           <a:p>
             <a:fld id="{450BAEDC-3D25-4A50-B12B-2A07872C68C6}" type="datetimeFigureOut">
               <a:rPr lang="en-US" smtClean="0"/>
-              <a:t>12/2/2017</a:t>
+              <a:t>12/4/2017</a:t>
             </a:fld>
             <a:endParaRPr lang="en-US"/>
           </a:p>
@@ -2922,7 +2928,7 @@
           <a:p>
             <a:fld id="{450BAEDC-3D25-4A50-B12B-2A07872C68C6}" type="datetimeFigureOut">
               <a:rPr lang="en-US" smtClean="0"/>
-              <a:t>12/2/2017</a:t>
+              <a:t>12/4/2017</a:t>
             </a:fld>
             <a:endParaRPr lang="en-US"/>
           </a:p>
@@ -3367,8 +3373,13 @@
           <a:p>
             <a:r>
               <a:rPr lang="en-US" dirty="0" smtClean="0"/>
-              <a:t>Ben Pierce</a:t>
-            </a:r>
+              <a:t>Ben </a:t>
+            </a:r>
+            <a:r>
+              <a:rPr lang="en-US" dirty="0" smtClean="0"/>
+              <a:t>Pierce (bgp12)</a:t>
+            </a:r>
+            <a:endParaRPr lang="en-US" dirty="0" smtClean="0"/>
           </a:p>
           <a:p>
             <a:r>
@@ -4017,6 +4028,85 @@
       </p:par>
     </p:tnLst>
   </p:timing>
+</p:sld>
+</file>
+
+<file path=ppt/slides/slide12.xml><?xml version="1.0" encoding="utf-8"?>
+<p:sld xmlns:a="http://schemas.openxmlformats.org/drawingml/2006/main" xmlns:r="http://schemas.openxmlformats.org/officeDocument/2006/relationships" xmlns:p="http://schemas.openxmlformats.org/presentationml/2006/main">
+  <p:cSld>
+    <p:spTree>
+      <p:nvGrpSpPr>
+        <p:cNvPr id="1" name=""/>
+        <p:cNvGrpSpPr/>
+        <p:nvPr/>
+      </p:nvGrpSpPr>
+      <p:grpSpPr>
+        <a:xfrm>
+          <a:off x="0" y="0"/>
+          <a:ext cx="0" cy="0"/>
+          <a:chOff x="0" y="0"/>
+          <a:chExt cx="0" cy="0"/>
+        </a:xfrm>
+      </p:grpSpPr>
+      <p:sp>
+        <p:nvSpPr>
+          <p:cNvPr id="2" name="Title 1"/>
+          <p:cNvSpPr>
+            <a:spLocks noGrp="1"/>
+          </p:cNvSpPr>
+          <p:nvPr>
+            <p:ph type="title"/>
+          </p:nvPr>
+        </p:nvSpPr>
+        <p:spPr/>
+        <p:txBody>
+          <a:bodyPr/>
+          <a:lstStyle/>
+          <a:p>
+            <a:r>
+              <a:rPr lang="en-US" dirty="0" smtClean="0"/>
+              <a:t>So far…</a:t>
+            </a:r>
+            <a:endParaRPr lang="en-US" dirty="0"/>
+          </a:p>
+        </p:txBody>
+      </p:sp>
+      <p:pic>
+        <p:nvPicPr>
+          <p:cNvPr id="4" name="Content Placeholder 3"/>
+          <p:cNvPicPr>
+            <a:picLocks noGrp="1" noChangeAspect="1"/>
+          </p:cNvPicPr>
+          <p:nvPr>
+            <p:ph idx="1"/>
+          </p:nvPr>
+        </p:nvPicPr>
+        <p:blipFill>
+          <a:blip r:embed="rId2"/>
+          <a:stretch>
+            <a:fillRect/>
+          </a:stretch>
+        </p:blipFill>
+        <p:spPr>
+          <a:xfrm>
+            <a:off x="1472179" y="1825625"/>
+            <a:ext cx="9247641" cy="4351338"/>
+          </a:xfrm>
+          <a:prstGeom prst="rect">
+            <a:avLst/>
+          </a:prstGeom>
+        </p:spPr>
+      </p:pic>
+    </p:spTree>
+    <p:extLst>
+      <p:ext uri="{BB962C8B-B14F-4D97-AF65-F5344CB8AC3E}">
+        <p14:creationId xmlns:p14="http://schemas.microsoft.com/office/powerpoint/2010/main" val="1350229396"/>
+      </p:ext>
+    </p:extLst>
+  </p:cSld>
+  <p:clrMapOvr>
+    <a:masterClrMapping/>
+  </p:clrMapOvr>
 </p:sld>
 </file>
 
